--- a/presentation/presentatie.pptx
+++ b/presentation/presentatie.pptx
@@ -8,8 +8,9 @@
     <p:sldId id="256" r:id="rId2"/>
     <p:sldId id="257" r:id="rId3"/>
     <p:sldId id="258" r:id="rId4"/>
-    <p:sldId id="259" r:id="rId5"/>
-    <p:sldId id="260" r:id="rId6"/>
+    <p:sldId id="261" r:id="rId5"/>
+    <p:sldId id="259" r:id="rId6"/>
+    <p:sldId id="260" r:id="rId7"/>
   </p:sldIdLst>
   <p:sldSz cx="9144000" cy="6858000" type="screen4x3"/>
   <p:notesSz cx="6858000" cy="9144000"/>
@@ -3503,6 +3504,10 @@
               <a:rPr lang="nl-NL" dirty="0" err="1" smtClean="0"/>
               <a:t>often</a:t>
             </a:r>
+            <a:r>
+              <a:rPr lang="nl-NL" dirty="0" smtClean="0"/>
+              <a:t>.</a:t>
+            </a:r>
             <a:endParaRPr lang="nl-NL" dirty="0" smtClean="0"/>
           </a:p>
           <a:p>
@@ -3528,8 +3533,13 @@
             </a:r>
             <a:r>
               <a:rPr lang="nl-NL" dirty="0" smtClean="0"/>
-              <a:t> in research</a:t>
-            </a:r>
+              <a:t> in </a:t>
+            </a:r>
+            <a:r>
+              <a:rPr lang="nl-NL" dirty="0" smtClean="0"/>
+              <a:t>research.</a:t>
+            </a:r>
+            <a:endParaRPr lang="nl-NL" dirty="0" smtClean="0"/>
           </a:p>
           <a:p>
             <a:endParaRPr lang="nl-NL" dirty="0"/>
@@ -3563,8 +3573,12 @@
           <a:p>
             <a:pPr lvl="1"/>
             <a:r>
+              <a:rPr lang="nl-NL" dirty="0"/>
+              <a:t>h</a:t>
+            </a:r>
+            <a:r>
               <a:rPr lang="nl-NL" dirty="0" smtClean="0"/>
-              <a:t>Health </a:t>
+              <a:t>ealth </a:t>
             </a:r>
             <a:r>
               <a:rPr lang="nl-NL" dirty="0" smtClean="0">
@@ -3576,22 +3590,43 @@
               <a:rPr lang="en-US" dirty="0" smtClean="0">
                 <a:sym typeface="Wingdings" panose="05000000000000000000" pitchFamily="2" charset="2"/>
               </a:rPr>
-              <a:t> Wealth</a:t>
-            </a:r>
-          </a:p>
-          <a:p>
-            <a:pPr lvl="1"/>
+              <a:t> </a:t>
+            </a:r>
             <a:r>
               <a:rPr lang="en-US" dirty="0" smtClean="0">
                 <a:sym typeface="Wingdings" panose="05000000000000000000" pitchFamily="2" charset="2"/>
               </a:rPr>
-              <a:t>Wealth</a:t>
+              <a:t>wealth</a:t>
+            </a:r>
+            <a:endParaRPr lang="en-US" dirty="0" smtClean="0">
+              <a:sym typeface="Wingdings" panose="05000000000000000000" pitchFamily="2" charset="2"/>
+            </a:endParaRPr>
+          </a:p>
+          <a:p>
+            <a:pPr lvl="1"/>
+            <a:r>
+              <a:rPr lang="en-US" dirty="0">
+                <a:sym typeface="Wingdings" panose="05000000000000000000" pitchFamily="2" charset="2"/>
+              </a:rPr>
+              <a:t>w</a:t>
+            </a:r>
+            <a:r>
+              <a:rPr lang="en-US" dirty="0" smtClean="0">
+                <a:sym typeface="Wingdings" panose="05000000000000000000" pitchFamily="2" charset="2"/>
+              </a:rPr>
+              <a:t>ealth</a:t>
             </a:r>
             <a:r>
               <a:rPr lang="nl-NL" dirty="0" smtClean="0">
                 <a:sym typeface="Wingdings" panose="05000000000000000000" pitchFamily="2" charset="2"/>
               </a:rPr>
-              <a:t>  health</a:t>
+              <a:t> </a:t>
+            </a:r>
+            <a:r>
+              <a:rPr lang="nl-NL" dirty="0" smtClean="0">
+                <a:sym typeface="Wingdings" panose="05000000000000000000" pitchFamily="2" charset="2"/>
+              </a:rPr>
+              <a:t> health</a:t>
             </a:r>
           </a:p>
           <a:p>
@@ -3888,10 +3923,7 @@
               <a:rPr lang="nl-NL" dirty="0" err="1" smtClean="0"/>
               <a:t>causality</a:t>
             </a:r>
-            <a:r>
-              <a:rPr lang="nl-NL" dirty="0" smtClean="0"/>
-              <a:t>.</a:t>
-            </a:r>
+            <a:endParaRPr lang="nl-NL" dirty="0" smtClean="0"/>
           </a:p>
           <a:p>
             <a:r>
@@ -3962,7 +3994,13 @@
               <a:rPr lang="en-US" dirty="0" smtClean="0">
                 <a:sym typeface="Wingdings" panose="05000000000000000000" pitchFamily="2" charset="2"/>
               </a:rPr>
-              <a:t> worse mental and physical health</a:t>
+              <a:t> worse mental and physical </a:t>
+            </a:r>
+            <a:r>
+              <a:rPr lang="en-US" dirty="0" smtClean="0">
+                <a:sym typeface="Wingdings" panose="05000000000000000000" pitchFamily="2" charset="2"/>
+              </a:rPr>
+              <a:t>health</a:t>
             </a:r>
             <a:endParaRPr lang="en-US" dirty="0"/>
           </a:p>
@@ -4021,8 +4059,8 @@
           <a:lstStyle/>
           <a:p>
             <a:r>
-              <a:rPr lang="nl-NL" dirty="0" err="1" smtClean="0"/>
-              <a:t>Methods</a:t>
+              <a:rPr lang="en-US" dirty="0" smtClean="0"/>
+              <a:t>Data</a:t>
             </a:r>
             <a:endParaRPr lang="en-US" dirty="0"/>
           </a:p>
@@ -4045,6 +4083,89 @@
           <a:p>
             <a:r>
               <a:rPr lang="en-US" dirty="0" smtClean="0"/>
+              <a:t>Dutch Household Survey</a:t>
+            </a:r>
+            <a:endParaRPr lang="en-US" dirty="0"/>
+          </a:p>
+        </p:txBody>
+      </p:sp>
+    </p:spTree>
+    <p:extLst>
+      <p:ext uri="{BB962C8B-B14F-4D97-AF65-F5344CB8AC3E}">
+        <p14:creationId xmlns:p14="http://schemas.microsoft.com/office/powerpoint/2010/main" val="1933873684"/>
+      </p:ext>
+    </p:extLst>
+  </p:cSld>
+  <p:clrMapOvr>
+    <a:masterClrMapping/>
+  </p:clrMapOvr>
+  <p:timing>
+    <p:tnLst>
+      <p:par>
+        <p:cTn id="1" dur="indefinite" restart="never" nodeType="tmRoot"/>
+      </p:par>
+    </p:tnLst>
+  </p:timing>
+</p:sld>
+</file>
+
+<file path=ppt/slides/slide5.xml><?xml version="1.0" encoding="utf-8"?>
+<p:sld xmlns:a="http://schemas.openxmlformats.org/drawingml/2006/main" xmlns:r="http://schemas.openxmlformats.org/officeDocument/2006/relationships" xmlns:p="http://schemas.openxmlformats.org/presentationml/2006/main">
+  <p:cSld>
+    <p:spTree>
+      <p:nvGrpSpPr>
+        <p:cNvPr id="1" name=""/>
+        <p:cNvGrpSpPr/>
+        <p:nvPr/>
+      </p:nvGrpSpPr>
+      <p:grpSpPr>
+        <a:xfrm>
+          <a:off x="0" y="0"/>
+          <a:ext cx="0" cy="0"/>
+          <a:chOff x="0" y="0"/>
+          <a:chExt cx="0" cy="0"/>
+        </a:xfrm>
+      </p:grpSpPr>
+      <p:sp>
+        <p:nvSpPr>
+          <p:cNvPr id="2" name="Title 1"/>
+          <p:cNvSpPr>
+            <a:spLocks noGrp="1"/>
+          </p:cNvSpPr>
+          <p:nvPr>
+            <p:ph type="title"/>
+          </p:nvPr>
+        </p:nvSpPr>
+        <p:spPr/>
+        <p:txBody>
+          <a:bodyPr/>
+          <a:lstStyle/>
+          <a:p>
+            <a:r>
+              <a:rPr lang="nl-NL" dirty="0" err="1" smtClean="0"/>
+              <a:t>Methods</a:t>
+            </a:r>
+            <a:endParaRPr lang="en-US" dirty="0"/>
+          </a:p>
+        </p:txBody>
+      </p:sp>
+      <p:sp>
+        <p:nvSpPr>
+          <p:cNvPr id="3" name="Content Placeholder 2"/>
+          <p:cNvSpPr>
+            <a:spLocks noGrp="1"/>
+          </p:cNvSpPr>
+          <p:nvPr>
+            <p:ph idx="1"/>
+          </p:nvPr>
+        </p:nvSpPr>
+        <p:spPr/>
+        <p:txBody>
+          <a:bodyPr/>
+          <a:lstStyle/>
+          <a:p>
+            <a:r>
+              <a:rPr lang="en-US" dirty="0" smtClean="0"/>
               <a:t>Difference</a:t>
             </a:r>
             <a:r>
@@ -4103,17 +4224,12 @@
             </a:r>
             <a:r>
               <a:rPr lang="nl-NL" dirty="0"/>
-              <a:t> financial crisis </a:t>
-            </a:r>
-            <a:r>
-              <a:rPr lang="nl-NL"/>
-              <a:t>in </a:t>
-            </a:r>
-            <a:r>
-              <a:rPr lang="nl-NL" smtClean="0"/>
+              <a:t> financial crisis in </a:t>
+            </a:r>
+            <a:r>
+              <a:rPr lang="nl-NL" dirty="0" smtClean="0"/>
               <a:t>2008</a:t>
             </a:r>
-            <a:endParaRPr lang="nl-NL" dirty="0" smtClean="0"/>
           </a:p>
           <a:p>
             <a:pPr lvl="1"/>
@@ -4277,7 +4393,7 @@
                                           </p:stCondLst>
                                         </p:cTn>
                                         <p:tgtEl>
-                                          <p:spTgt spid="2050"/>
+                                          <p:spTgt spid="4"/>
                                         </p:tgtEl>
                                         <p:attrNameLst>
                                           <p:attrName>style.visibility</p:attrName>
@@ -4322,7 +4438,7 @@
                                           </p:stCondLst>
                                         </p:cTn>
                                         <p:tgtEl>
-                                          <p:spTgt spid="4"/>
+                                          <p:spTgt spid="2050"/>
                                         </p:tgtEl>
                                         <p:attrNameLst>
                                           <p:attrName>style.visibility</p:attrName>
@@ -4366,7 +4482,7 @@
 </p:sld>
 </file>
 
-<file path=ppt/slides/slide5.xml><?xml version="1.0" encoding="utf-8"?>
+<file path=ppt/slides/slide6.xml><?xml version="1.0" encoding="utf-8"?>
 <p:sld xmlns:a="http://schemas.openxmlformats.org/drawingml/2006/main" xmlns:r="http://schemas.openxmlformats.org/officeDocument/2006/relationships" xmlns:p="http://schemas.openxmlformats.org/presentationml/2006/main">
   <p:cSld>
     <p:spTree>
